--- a/Predicting Credit Card Fraud_Template.pptx
+++ b/Predicting Credit Card Fraud_Template.pptx
@@ -266,7 +266,7 @@
           <a:p>
             <a:fld id="{B5C4D40B-336F-47B0-AEDC-08A70838D011}" type="datetimeFigureOut">
               <a:rPr lang="en-US" smtClean="0"/>
-              <a:t>12/1/2022</a:t>
+              <a:t>12/6/22</a:t>
             </a:fld>
             <a:endParaRPr lang="en-US"/>
           </a:p>
@@ -464,7 +464,7 @@
           <a:p>
             <a:fld id="{B5C4D40B-336F-47B0-AEDC-08A70838D011}" type="datetimeFigureOut">
               <a:rPr lang="en-US" smtClean="0"/>
-              <a:t>12/1/2022</a:t>
+              <a:t>12/6/22</a:t>
             </a:fld>
             <a:endParaRPr lang="en-US"/>
           </a:p>
@@ -672,7 +672,7 @@
           <a:p>
             <a:fld id="{B5C4D40B-336F-47B0-AEDC-08A70838D011}" type="datetimeFigureOut">
               <a:rPr lang="en-US" smtClean="0"/>
-              <a:t>12/1/2022</a:t>
+              <a:t>12/6/22</a:t>
             </a:fld>
             <a:endParaRPr lang="en-US"/>
           </a:p>
@@ -870,7 +870,7 @@
           <a:p>
             <a:fld id="{B5C4D40B-336F-47B0-AEDC-08A70838D011}" type="datetimeFigureOut">
               <a:rPr lang="en-US" smtClean="0"/>
-              <a:t>12/1/2022</a:t>
+              <a:t>12/6/22</a:t>
             </a:fld>
             <a:endParaRPr lang="en-US"/>
           </a:p>
@@ -1145,7 +1145,7 @@
           <a:p>
             <a:fld id="{B5C4D40B-336F-47B0-AEDC-08A70838D011}" type="datetimeFigureOut">
               <a:rPr lang="en-US" smtClean="0"/>
-              <a:t>12/1/2022</a:t>
+              <a:t>12/6/22</a:t>
             </a:fld>
             <a:endParaRPr lang="en-US"/>
           </a:p>
@@ -1410,7 +1410,7 @@
           <a:p>
             <a:fld id="{B5C4D40B-336F-47B0-AEDC-08A70838D011}" type="datetimeFigureOut">
               <a:rPr lang="en-US" smtClean="0"/>
-              <a:t>12/1/2022</a:t>
+              <a:t>12/6/22</a:t>
             </a:fld>
             <a:endParaRPr lang="en-US"/>
           </a:p>
@@ -1822,7 +1822,7 @@
           <a:p>
             <a:fld id="{B5C4D40B-336F-47B0-AEDC-08A70838D011}" type="datetimeFigureOut">
               <a:rPr lang="en-US" smtClean="0"/>
-              <a:t>12/1/2022</a:t>
+              <a:t>12/6/22</a:t>
             </a:fld>
             <a:endParaRPr lang="en-US"/>
           </a:p>
@@ -1963,7 +1963,7 @@
           <a:p>
             <a:fld id="{B5C4D40B-336F-47B0-AEDC-08A70838D011}" type="datetimeFigureOut">
               <a:rPr lang="en-US" smtClean="0"/>
-              <a:t>12/1/2022</a:t>
+              <a:t>12/6/22</a:t>
             </a:fld>
             <a:endParaRPr lang="en-US"/>
           </a:p>
@@ -2076,7 +2076,7 @@
           <a:p>
             <a:fld id="{B5C4D40B-336F-47B0-AEDC-08A70838D011}" type="datetimeFigureOut">
               <a:rPr lang="en-US" smtClean="0"/>
-              <a:t>12/1/2022</a:t>
+              <a:t>12/6/22</a:t>
             </a:fld>
             <a:endParaRPr lang="en-US"/>
           </a:p>
@@ -2387,7 +2387,7 @@
           <a:p>
             <a:fld id="{B5C4D40B-336F-47B0-AEDC-08A70838D011}" type="datetimeFigureOut">
               <a:rPr lang="en-US" smtClean="0"/>
-              <a:t>12/1/2022</a:t>
+              <a:t>12/6/22</a:t>
             </a:fld>
             <a:endParaRPr lang="en-US"/>
           </a:p>
@@ -2675,7 +2675,7 @@
           <a:p>
             <a:fld id="{B5C4D40B-336F-47B0-AEDC-08A70838D011}" type="datetimeFigureOut">
               <a:rPr lang="en-US" smtClean="0"/>
-              <a:t>12/1/2022</a:t>
+              <a:t>12/6/22</a:t>
             </a:fld>
             <a:endParaRPr lang="en-US"/>
           </a:p>
@@ -2916,7 +2916,7 @@
           <a:p>
             <a:fld id="{B5C4D40B-336F-47B0-AEDC-08A70838D011}" type="datetimeFigureOut">
               <a:rPr lang="en-US" smtClean="0"/>
-              <a:t>12/1/2022</a:t>
+              <a:t>12/6/22</a:t>
             </a:fld>
             <a:endParaRPr lang="en-US"/>
           </a:p>
@@ -7130,6 +7130,7 @@
       <p:pic>
         <p:nvPicPr>
           <p:cNvPr id="5" name="Picture 4" descr="Graphical user interface&#10;&#10;Description automatically generated">
+            <a:hlinkClick r:id="rId2"/>
             <a:extLst>
               <a:ext uri="{FF2B5EF4-FFF2-40B4-BE49-F238E27FC236}">
                 <a16:creationId xmlns:a16="http://schemas.microsoft.com/office/drawing/2014/main" id="{F0684E11-6126-FEAF-D543-8018B6B7CD73}"/>
@@ -7142,7 +7143,7 @@
           <p:nvPr/>
         </p:nvPicPr>
         <p:blipFill rotWithShape="1">
-          <a:blip r:embed="rId2">
+          <a:blip r:embed="rId3">
             <a:extLst>
               <a:ext uri="{28A0092B-C50C-407E-A947-70E740481C1C}">
                 <a14:useLocalDpi xmlns:a14="http://schemas.microsoft.com/office/drawing/2010/main" val="0"/>
@@ -8687,7 +8688,7 @@
           </a:bodyPr>
           <a:lstStyle/>
           <a:p>
-            <a:pPr indent="-228600">
+            <a:pPr marL="285750" indent="-285750">
               <a:lnSpc>
                 <a:spcPct val="90000"/>
               </a:lnSpc>
@@ -8698,16 +8699,33 @@
               <a:buChar char="•"/>
             </a:pPr>
             <a:r>
-              <a:rPr lang="en-US">
+              <a:rPr lang="en-US" dirty="0">
                 <a:solidFill>
                   <a:schemeClr val="bg1"/>
                 </a:solidFill>
               </a:rPr>
-              <a:t> Notes for talking points on Ariana’s visualizations</a:t>
+              <a:t>From </a:t>
             </a:r>
-          </a:p>
-          <a:p>
-            <a:pPr indent="-228600">
+            <a:r>
+              <a:rPr lang="en-US" dirty="0">
+                <a:solidFill>
+                  <a:schemeClr val="bg1"/>
+                </a:solidFill>
+                <a:hlinkClick r:id="rId2"/>
+              </a:rPr>
+              <a:t>1990-200</a:t>
+            </a:r>
+            <a:r>
+              <a:rPr lang="en-US" dirty="0">
+                <a:solidFill>
+                  <a:schemeClr val="bg1"/>
+                </a:solidFill>
+              </a:rPr>
+              <a:t> there was little fraud happening in the US most of it was in Mexico, Algeria and Fiji.</a:t>
+            </a:r>
+          </a:p>
+          <a:p>
+            <a:pPr marL="285750" indent="-285750">
               <a:lnSpc>
                 <a:spcPct val="90000"/>
               </a:lnSpc>
@@ -8718,12 +8736,66 @@
               <a:buChar char="•"/>
             </a:pPr>
             <a:r>
-              <a:rPr lang="en-US">
+              <a:rPr lang="en-US" dirty="0">
                 <a:solidFill>
                   <a:schemeClr val="bg1"/>
                 </a:solidFill>
               </a:rPr>
-              <a:t>Visit tableau public for display of viz’s</a:t>
+              <a:t>From </a:t>
+            </a:r>
+            <a:r>
+              <a:rPr lang="en-US" dirty="0">
+                <a:solidFill>
+                  <a:schemeClr val="bg1"/>
+                </a:solidFill>
+                <a:hlinkClick r:id="rId4"/>
+              </a:rPr>
+              <a:t>2001-2010</a:t>
+            </a:r>
+            <a:r>
+              <a:rPr lang="en-US" dirty="0">
+                <a:solidFill>
+                  <a:schemeClr val="bg1"/>
+                </a:solidFill>
+              </a:rPr>
+              <a:t> there was more fraud in the US and all over the country. But the bulk of it happened in Algeria, Turkey, and Haiti.</a:t>
+            </a:r>
+          </a:p>
+          <a:p>
+            <a:pPr marL="285750" indent="-285750">
+              <a:lnSpc>
+                <a:spcPct val="90000"/>
+              </a:lnSpc>
+              <a:spcAft>
+                <a:spcPts val="600"/>
+              </a:spcAft>
+              <a:buFont typeface="Arial" panose="020B0604020202020204" pitchFamily="34" charset="0"/>
+              <a:buChar char="•"/>
+            </a:pPr>
+            <a:r>
+              <a:rPr lang="en-US" dirty="0">
+                <a:solidFill>
+                  <a:schemeClr val="bg1"/>
+                </a:solidFill>
+              </a:rPr>
+              <a:t>From </a:t>
+            </a:r>
+            <a:r>
+              <a:rPr lang="en-US" dirty="0">
+                <a:solidFill>
+                  <a:schemeClr val="bg1"/>
+                </a:solidFill>
+                <a:hlinkClick r:id="rId5"/>
+              </a:rPr>
+              <a:t>2011-2019</a:t>
+            </a:r>
+            <a:r>
+              <a:rPr lang="en-US" dirty="0">
+                <a:solidFill>
+                  <a:schemeClr val="bg1"/>
+                </a:solidFill>
+              </a:rPr>
+              <a:t> you can see most of the fraud in the US happened on the eastern side of the country. But the bulk of it was in Rome. </a:t>
             </a:r>
           </a:p>
         </p:txBody>

--- a/Predicting Credit Card Fraud_Template.pptx
+++ b/Predicting Credit Card Fraud_Template.pptx
@@ -7,9 +7,9 @@
   <p:sldIdLst>
     <p:sldId id="256" r:id="rId2"/>
     <p:sldId id="257" r:id="rId3"/>
-    <p:sldId id="260" r:id="rId4"/>
-    <p:sldId id="259" r:id="rId5"/>
-    <p:sldId id="258" r:id="rId6"/>
+    <p:sldId id="258" r:id="rId4"/>
+    <p:sldId id="260" r:id="rId5"/>
+    <p:sldId id="259" r:id="rId6"/>
     <p:sldId id="261" r:id="rId7"/>
     <p:sldId id="262" r:id="rId8"/>
     <p:sldId id="263" r:id="rId9"/>
@@ -266,7 +266,7 @@
           <a:p>
             <a:fld id="{B5C4D40B-336F-47B0-AEDC-08A70838D011}" type="datetimeFigureOut">
               <a:rPr lang="en-US" smtClean="0"/>
-              <a:t>12/6/22</a:t>
+              <a:t>12/6/2022</a:t>
             </a:fld>
             <a:endParaRPr lang="en-US"/>
           </a:p>
@@ -464,7 +464,7 @@
           <a:p>
             <a:fld id="{B5C4D40B-336F-47B0-AEDC-08A70838D011}" type="datetimeFigureOut">
               <a:rPr lang="en-US" smtClean="0"/>
-              <a:t>12/6/22</a:t>
+              <a:t>12/6/2022</a:t>
             </a:fld>
             <a:endParaRPr lang="en-US"/>
           </a:p>
@@ -672,7 +672,7 @@
           <a:p>
             <a:fld id="{B5C4D40B-336F-47B0-AEDC-08A70838D011}" type="datetimeFigureOut">
               <a:rPr lang="en-US" smtClean="0"/>
-              <a:t>12/6/22</a:t>
+              <a:t>12/6/2022</a:t>
             </a:fld>
             <a:endParaRPr lang="en-US"/>
           </a:p>
@@ -870,7 +870,7 @@
           <a:p>
             <a:fld id="{B5C4D40B-336F-47B0-AEDC-08A70838D011}" type="datetimeFigureOut">
               <a:rPr lang="en-US" smtClean="0"/>
-              <a:t>12/6/22</a:t>
+              <a:t>12/6/2022</a:t>
             </a:fld>
             <a:endParaRPr lang="en-US"/>
           </a:p>
@@ -1145,7 +1145,7 @@
           <a:p>
             <a:fld id="{B5C4D40B-336F-47B0-AEDC-08A70838D011}" type="datetimeFigureOut">
               <a:rPr lang="en-US" smtClean="0"/>
-              <a:t>12/6/22</a:t>
+              <a:t>12/6/2022</a:t>
             </a:fld>
             <a:endParaRPr lang="en-US"/>
           </a:p>
@@ -1410,7 +1410,7 @@
           <a:p>
             <a:fld id="{B5C4D40B-336F-47B0-AEDC-08A70838D011}" type="datetimeFigureOut">
               <a:rPr lang="en-US" smtClean="0"/>
-              <a:t>12/6/22</a:t>
+              <a:t>12/6/2022</a:t>
             </a:fld>
             <a:endParaRPr lang="en-US"/>
           </a:p>
@@ -1822,7 +1822,7 @@
           <a:p>
             <a:fld id="{B5C4D40B-336F-47B0-AEDC-08A70838D011}" type="datetimeFigureOut">
               <a:rPr lang="en-US" smtClean="0"/>
-              <a:t>12/6/22</a:t>
+              <a:t>12/6/2022</a:t>
             </a:fld>
             <a:endParaRPr lang="en-US"/>
           </a:p>
@@ -1963,7 +1963,7 @@
           <a:p>
             <a:fld id="{B5C4D40B-336F-47B0-AEDC-08A70838D011}" type="datetimeFigureOut">
               <a:rPr lang="en-US" smtClean="0"/>
-              <a:t>12/6/22</a:t>
+              <a:t>12/6/2022</a:t>
             </a:fld>
             <a:endParaRPr lang="en-US"/>
           </a:p>
@@ -2076,7 +2076,7 @@
           <a:p>
             <a:fld id="{B5C4D40B-336F-47B0-AEDC-08A70838D011}" type="datetimeFigureOut">
               <a:rPr lang="en-US" smtClean="0"/>
-              <a:t>12/6/22</a:t>
+              <a:t>12/6/2022</a:t>
             </a:fld>
             <a:endParaRPr lang="en-US"/>
           </a:p>
@@ -2387,7 +2387,7 @@
           <a:p>
             <a:fld id="{B5C4D40B-336F-47B0-AEDC-08A70838D011}" type="datetimeFigureOut">
               <a:rPr lang="en-US" smtClean="0"/>
-              <a:t>12/6/22</a:t>
+              <a:t>12/6/2022</a:t>
             </a:fld>
             <a:endParaRPr lang="en-US"/>
           </a:p>
@@ -2675,7 +2675,7 @@
           <a:p>
             <a:fld id="{B5C4D40B-336F-47B0-AEDC-08A70838D011}" type="datetimeFigureOut">
               <a:rPr lang="en-US" smtClean="0"/>
-              <a:t>12/6/22</a:t>
+              <a:t>12/6/2022</a:t>
             </a:fld>
             <a:endParaRPr lang="en-US"/>
           </a:p>
@@ -2916,7 +2916,7 @@
           <a:p>
             <a:fld id="{B5C4D40B-336F-47B0-AEDC-08A70838D011}" type="datetimeFigureOut">
               <a:rPr lang="en-US" smtClean="0"/>
-              <a:t>12/6/22</a:t>
+              <a:t>12/6/2022</a:t>
             </a:fld>
             <a:endParaRPr lang="en-US"/>
           </a:p>
@@ -3824,7 +3824,7 @@
               </a:spcAft>
             </a:pPr>
             <a:r>
-              <a:rPr lang="en-US" sz="3700">
+              <a:rPr lang="en-US" sz="3700" dirty="0">
                 <a:solidFill>
                   <a:schemeClr val="bg1"/>
                 </a:solidFill>
@@ -3832,7 +3832,7 @@
                 <a:ea typeface="+mj-ea"/>
                 <a:cs typeface="+mj-cs"/>
               </a:rPr>
-              <a:t>Section 1: Quantify the problem with credit card fraud.</a:t>
+              <a:t>Quantify the problem with credit card fraud.</a:t>
             </a:r>
           </a:p>
         </p:txBody>
@@ -5232,12 +5232,15 @@
         </p:nvSpPr>
         <p:spPr>
           <a:xfrm>
-            <a:off x="1166649" y="3379979"/>
-            <a:ext cx="3874685" cy="3186359"/>
+            <a:off x="600623" y="3379979"/>
+            <a:ext cx="4819276" cy="3186359"/>
           </a:xfrm>
           <a:prstGeom prst="rect">
             <a:avLst/>
           </a:prstGeom>
+          <a:solidFill>
+            <a:schemeClr val="bg2"/>
+          </a:solidFill>
         </p:spPr>
         <p:txBody>
           <a:bodyPr vert="horz" lIns="91440" tIns="45720" rIns="91440" bIns="45720" rtlCol="0" anchor="ctr">
@@ -5257,9 +5260,6 @@
             </a:pPr>
             <a:r>
               <a:rPr lang="en-US" sz="1500" b="0" dirty="0">
-                <a:solidFill>
-                  <a:schemeClr val="bg1"/>
-                </a:solidFill>
                 <a:effectLst/>
               </a:rPr>
               <a:t>By 2023, estimates indicate retailers will lose $130 billion each year on fraudulent sales</a:t>
@@ -5278,9 +5278,6 @@
             </a:pPr>
             <a:r>
               <a:rPr lang="en-US" sz="1500" b="0" dirty="0">
-                <a:solidFill>
-                  <a:schemeClr val="bg1"/>
-                </a:solidFill>
                 <a:effectLst/>
               </a:rPr>
               <a:t>Only 54% of these businesses are "somewhat confident" they would be able to detect fraudulent activity on time                        </a:t>
@@ -5299,9 +5296,6 @@
             </a:pPr>
             <a:r>
               <a:rPr lang="en-US" sz="1500" b="0" dirty="0">
-                <a:solidFill>
-                  <a:schemeClr val="bg1"/>
-                </a:solidFill>
                 <a:effectLst/>
               </a:rPr>
               <a:t>The amount of credit card data available on the dark web increased by 135% last year                        </a:t>
@@ -5320,9 +5314,6 @@
             </a:pPr>
             <a:r>
               <a:rPr lang="en-US" sz="1500" b="0" dirty="0">
-                <a:solidFill>
-                  <a:schemeClr val="bg1"/>
-                </a:solidFill>
                 <a:effectLst/>
               </a:rPr>
               <a:t>As many as 9 Million Americans have their credit card information stolen each year.             </a:t>
@@ -5433,7 +5424,7 @@
           <p:cNvPr id="5" name="Picture 4" descr="Graphical user interface&#10;&#10;Description automatically generated">
             <a:extLst>
               <a:ext uri="{FF2B5EF4-FFF2-40B4-BE49-F238E27FC236}">
-                <a16:creationId xmlns:a16="http://schemas.microsoft.com/office/drawing/2014/main" id="{B407E161-D694-DC1A-9C67-C411743F6360}"/>
+                <a16:creationId xmlns:a16="http://schemas.microsoft.com/office/drawing/2014/main" id="{AA057E03-85CF-536E-F978-CF7A7BAD4BFA}"/>
               </a:ext>
             </a:extLst>
           </p:cNvPr>
@@ -5533,7 +5524,7 @@
           <p:cNvPr id="2" name="TextBox 1">
             <a:extLst>
               <a:ext uri="{FF2B5EF4-FFF2-40B4-BE49-F238E27FC236}">
-                <a16:creationId xmlns:a16="http://schemas.microsoft.com/office/drawing/2014/main" id="{6DA50165-404F-11FE-C79E-7951CEC29D35}"/>
+                <a16:creationId xmlns:a16="http://schemas.microsoft.com/office/drawing/2014/main" id="{DB5407F5-C0B7-BE11-FC51-9840E9058B18}"/>
               </a:ext>
             </a:extLst>
           </p:cNvPr>
@@ -5567,7 +5558,7 @@
               </a:spcAft>
             </a:pPr>
             <a:r>
-              <a:rPr lang="en-US" sz="3400">
+              <a:rPr lang="en-US" sz="4400" dirty="0">
                 <a:solidFill>
                   <a:schemeClr val="bg1"/>
                 </a:solidFill>
@@ -5575,7 +5566,7 @@
                 <a:ea typeface="+mj-ea"/>
                 <a:cs typeface="+mj-cs"/>
               </a:rPr>
-              <a:t>Section 2: Visualizations to depict some of these quantifications</a:t>
+              <a:t>Prevention</a:t>
             </a:r>
           </a:p>
         </p:txBody>
@@ -6966,7 +6957,7 @@
           <p:cNvPr id="3" name="TextBox 2">
             <a:extLst>
               <a:ext uri="{FF2B5EF4-FFF2-40B4-BE49-F238E27FC236}">
-                <a16:creationId xmlns:a16="http://schemas.microsoft.com/office/drawing/2014/main" id="{F3518DE5-E36A-50BD-99EA-060C0665C260}"/>
+                <a16:creationId xmlns:a16="http://schemas.microsoft.com/office/drawing/2014/main" id="{0D6B78AA-6FBA-AE7E-85A6-3DC3D820D7E0}"/>
               </a:ext>
             </a:extLst>
           </p:cNvPr>
@@ -6988,43 +6979,179 @@
           </a:bodyPr>
           <a:lstStyle/>
           <a:p>
-            <a:pPr indent="-228600">
+            <a:pPr>
               <a:lnSpc>
                 <a:spcPct val="90000"/>
               </a:lnSpc>
               <a:spcAft>
                 <a:spcPts val="600"/>
               </a:spcAft>
+            </a:pPr>
+            <a:endParaRPr lang="en-US" dirty="0">
+              <a:solidFill>
+                <a:schemeClr val="bg1"/>
+              </a:solidFill>
+            </a:endParaRPr>
+          </a:p>
+        </p:txBody>
+      </p:sp>
+      <p:sp>
+        <p:nvSpPr>
+          <p:cNvPr id="7" name="TextBox 6">
+            <a:extLst>
+              <a:ext uri="{FF2B5EF4-FFF2-40B4-BE49-F238E27FC236}">
+                <a16:creationId xmlns:a16="http://schemas.microsoft.com/office/drawing/2014/main" id="{B93EAA56-01A6-67B5-6E11-D3D169FC64BF}"/>
+              </a:ext>
+            </a:extLst>
+          </p:cNvPr>
+          <p:cNvSpPr txBox="1"/>
+          <p:nvPr/>
+        </p:nvSpPr>
+        <p:spPr>
+          <a:xfrm>
+            <a:off x="632561" y="2869325"/>
+            <a:ext cx="4787338" cy="3539430"/>
+          </a:xfrm>
+          <a:prstGeom prst="rect">
+            <a:avLst/>
+          </a:prstGeom>
+          <a:solidFill>
+            <a:schemeClr val="bg2"/>
+          </a:solidFill>
+        </p:spPr>
+        <p:txBody>
+          <a:bodyPr wrap="square">
+            <a:spAutoFit/>
+          </a:bodyPr>
+          <a:lstStyle/>
+          <a:p>
+            <a:pPr marL="285750" indent="-285750">
               <a:buFont typeface="Arial" panose="020B0604020202020204" pitchFamily="34" charset="0"/>
               <a:buChar char="•"/>
             </a:pPr>
             <a:r>
-              <a:rPr lang="en-US">
-                <a:solidFill>
-                  <a:schemeClr val="bg1"/>
-                </a:solidFill>
-              </a:rPr>
-              <a:t> Notes for talking points on each viz in Waynette’s workbooks</a:t>
+              <a:rPr lang="en-US" sz="1600" dirty="0"/>
+              <a:t>Don’t use unsecure websites.</a:t>
             </a:r>
           </a:p>
           <a:p>
-            <a:pPr indent="-228600">
-              <a:lnSpc>
-                <a:spcPct val="90000"/>
-              </a:lnSpc>
-              <a:spcAft>
-                <a:spcPts val="600"/>
-              </a:spcAft>
+            <a:pPr marL="285750" indent="-285750">
               <a:buFont typeface="Arial" panose="020B0604020202020204" pitchFamily="34" charset="0"/>
               <a:buChar char="•"/>
             </a:pPr>
             <a:r>
-              <a:rPr lang="en-US">
-                <a:solidFill>
-                  <a:schemeClr val="bg1"/>
-                </a:solidFill>
-              </a:rPr>
-              <a:t>Visit the html page(s) as  to show viz’s</a:t>
+              <a:rPr lang="en-US" sz="1600" dirty="0"/>
+              <a:t>Beware of phishing scams.</a:t>
+            </a:r>
+          </a:p>
+          <a:p>
+            <a:pPr marL="285750" indent="-285750">
+              <a:buFont typeface="Arial" panose="020B0604020202020204" pitchFamily="34" charset="0"/>
+              <a:buChar char="•"/>
+            </a:pPr>
+            <a:r>
+              <a:rPr lang="en-US" sz="1600" dirty="0"/>
+              <a:t>Be on the lookout for skimmers.</a:t>
+            </a:r>
+          </a:p>
+          <a:p>
+            <a:pPr marL="285750" indent="-285750">
+              <a:buFont typeface="Arial" panose="020B0604020202020204" pitchFamily="34" charset="0"/>
+              <a:buChar char="•"/>
+            </a:pPr>
+            <a:r>
+              <a:rPr lang="en-US" sz="1600" dirty="0"/>
+              <a:t>Don’t post sensitive information on social media.</a:t>
+            </a:r>
+          </a:p>
+          <a:p>
+            <a:pPr marL="285750" indent="-285750">
+              <a:buFont typeface="Arial" panose="020B0604020202020204" pitchFamily="34" charset="0"/>
+              <a:buChar char="•"/>
+            </a:pPr>
+            <a:r>
+              <a:rPr lang="en-US" sz="1600" dirty="0"/>
+              <a:t>Get comfortable with mobile payment apps.</a:t>
+            </a:r>
+          </a:p>
+          <a:p>
+            <a:pPr marL="285750" indent="-285750">
+              <a:buFont typeface="Arial" panose="020B0604020202020204" pitchFamily="34" charset="0"/>
+              <a:buChar char="•"/>
+            </a:pPr>
+            <a:r>
+              <a:rPr lang="en-US" sz="1600" dirty="0"/>
+              <a:t>Shop in stores that have chip readers.</a:t>
+            </a:r>
+          </a:p>
+          <a:p>
+            <a:pPr marL="285750" indent="-285750">
+              <a:buFont typeface="Arial" panose="020B0604020202020204" pitchFamily="34" charset="0"/>
+              <a:buChar char="•"/>
+            </a:pPr>
+            <a:r>
+              <a:rPr lang="en-US" sz="1600" dirty="0"/>
+              <a:t>Don’t save your credit card information online.</a:t>
+            </a:r>
+          </a:p>
+          <a:p>
+            <a:pPr marL="285750" indent="-285750">
+              <a:buFont typeface="Arial" panose="020B0604020202020204" pitchFamily="34" charset="0"/>
+              <a:buChar char="•"/>
+            </a:pPr>
+            <a:r>
+              <a:rPr lang="en-US" sz="1600" dirty="0"/>
+              <a:t>Use a virtual credit card number online.</a:t>
+            </a:r>
+          </a:p>
+          <a:p>
+            <a:pPr marL="285750" indent="-285750">
+              <a:buFont typeface="Arial" panose="020B0604020202020204" pitchFamily="34" charset="0"/>
+              <a:buChar char="•"/>
+            </a:pPr>
+            <a:r>
+              <a:rPr lang="en-US" sz="1600" dirty="0"/>
+              <a:t>Use a password manager.</a:t>
+            </a:r>
+          </a:p>
+          <a:p>
+            <a:pPr marL="285750" indent="-285750">
+              <a:buFont typeface="Arial" panose="020B0604020202020204" pitchFamily="34" charset="0"/>
+              <a:buChar char="•"/>
+            </a:pPr>
+            <a:r>
+              <a:rPr lang="en-US" sz="1600" dirty="0"/>
+              <a:t>Get a chip card with PIN capacity.</a:t>
+            </a:r>
+          </a:p>
+          <a:p>
+            <a:pPr marL="285750" indent="-285750">
+              <a:buFont typeface="Arial" panose="020B0604020202020204" pitchFamily="34" charset="0"/>
+              <a:buChar char="•"/>
+            </a:pPr>
+            <a:r>
+              <a:rPr lang="en-US" sz="1600" dirty="0"/>
+              <a:t>Don’t trust public Wi-Fi for financial transactions.</a:t>
+            </a:r>
+          </a:p>
+          <a:p>
+            <a:pPr marL="285750" indent="-285750">
+              <a:buFont typeface="Arial" panose="020B0604020202020204" pitchFamily="34" charset="0"/>
+              <a:buChar char="•"/>
+            </a:pPr>
+            <a:r>
+              <a:rPr lang="en-US" sz="1600" dirty="0"/>
+              <a:t>Set up a fraud alert or credit freeze if your card is lost or stolen.</a:t>
+            </a:r>
+          </a:p>
+          <a:p>
+            <a:pPr marL="285750" indent="-285750">
+              <a:buFont typeface="Arial" panose="020B0604020202020204" pitchFamily="34" charset="0"/>
+              <a:buChar char="•"/>
+            </a:pPr>
+            <a:r>
+              <a:rPr lang="en-US" sz="1600" dirty="0"/>
+              <a:t>Review your credit reports regularly.</a:t>
             </a:r>
           </a:p>
         </p:txBody>
@@ -7032,7 +7159,7 @@
     </p:spTree>
     <p:extLst>
       <p:ext uri="{BB962C8B-B14F-4D97-AF65-F5344CB8AC3E}">
-        <p14:creationId xmlns:p14="http://schemas.microsoft.com/office/powerpoint/2010/main" val="4204206540"/>
+        <p14:creationId xmlns:p14="http://schemas.microsoft.com/office/powerpoint/2010/main" val="979309918"/>
       </p:ext>
     </p:extLst>
   </p:cSld>
@@ -7130,10 +7257,9 @@
       <p:pic>
         <p:nvPicPr>
           <p:cNvPr id="5" name="Picture 4" descr="Graphical user interface&#10;&#10;Description automatically generated">
-            <a:hlinkClick r:id="rId2"/>
             <a:extLst>
               <a:ext uri="{FF2B5EF4-FFF2-40B4-BE49-F238E27FC236}">
-                <a16:creationId xmlns:a16="http://schemas.microsoft.com/office/drawing/2014/main" id="{F0684E11-6126-FEAF-D543-8018B6B7CD73}"/>
+                <a16:creationId xmlns:a16="http://schemas.microsoft.com/office/drawing/2014/main" id="{B407E161-D694-DC1A-9C67-C411743F6360}"/>
               </a:ext>
             </a:extLst>
           </p:cNvPr>
@@ -7143,7 +7269,7 @@
           <p:nvPr/>
         </p:nvPicPr>
         <p:blipFill rotWithShape="1">
-          <a:blip r:embed="rId3">
+          <a:blip r:embed="rId2">
             <a:extLst>
               <a:ext uri="{28A0092B-C50C-407E-A947-70E740481C1C}">
                 <a14:useLocalDpi xmlns:a14="http://schemas.microsoft.com/office/drawing/2010/main" val="0"/>
@@ -7233,7 +7359,7 @@
           <p:cNvPr id="2" name="TextBox 1">
             <a:extLst>
               <a:ext uri="{FF2B5EF4-FFF2-40B4-BE49-F238E27FC236}">
-                <a16:creationId xmlns:a16="http://schemas.microsoft.com/office/drawing/2014/main" id="{EFD512BA-B62E-58C1-F934-CD55A6B54546}"/>
+                <a16:creationId xmlns:a16="http://schemas.microsoft.com/office/drawing/2014/main" id="{6DA50165-404F-11FE-C79E-7951CEC29D35}"/>
               </a:ext>
             </a:extLst>
           </p:cNvPr>
@@ -7267,7 +7393,7 @@
               </a:spcAft>
             </a:pPr>
             <a:r>
-              <a:rPr lang="en-US" sz="3700">
+              <a:rPr lang="en-US" sz="3400" dirty="0">
                 <a:solidFill>
                   <a:schemeClr val="bg1"/>
                 </a:solidFill>
@@ -7275,7 +7401,7 @@
                 <a:ea typeface="+mj-ea"/>
                 <a:cs typeface="+mj-cs"/>
               </a:rPr>
-              <a:t>Section 3: Visualization to show locations of these issues</a:t>
+              <a:t>Visualizations to depict some of these quantifications</a:t>
             </a:r>
           </a:p>
         </p:txBody>
@@ -8663,10 +8789,10 @@
       </p:sp>
       <p:sp>
         <p:nvSpPr>
-          <p:cNvPr id="4" name="TextBox 3">
+          <p:cNvPr id="3" name="TextBox 2">
             <a:extLst>
               <a:ext uri="{FF2B5EF4-FFF2-40B4-BE49-F238E27FC236}">
-                <a16:creationId xmlns:a16="http://schemas.microsoft.com/office/drawing/2014/main" id="{3B352E48-C962-51FA-ACF6-EC20E2F965B2}"/>
+                <a16:creationId xmlns:a16="http://schemas.microsoft.com/office/drawing/2014/main" id="{F3518DE5-E36A-50BD-99EA-060C0665C260}"/>
               </a:ext>
             </a:extLst>
           </p:cNvPr>
@@ -8675,20 +8801,25 @@
         </p:nvSpPr>
         <p:spPr>
           <a:xfrm>
-            <a:off x="1166649" y="3379979"/>
-            <a:ext cx="3874685" cy="3186359"/>
+            <a:off x="603671" y="3379979"/>
+            <a:ext cx="4816228" cy="3186359"/>
           </a:xfrm>
           <a:prstGeom prst="rect">
             <a:avLst/>
           </a:prstGeom>
+          <a:solidFill>
+            <a:schemeClr val="bg2"/>
+          </a:solidFill>
         </p:spPr>
         <p:txBody>
           <a:bodyPr vert="horz" lIns="91440" tIns="45720" rIns="91440" bIns="45720" rtlCol="0" anchor="ctr">
             <a:normAutofit/>
           </a:bodyPr>
-          <a:lstStyle/>
-          <a:p>
-            <a:pPr marL="285750" indent="-285750">
+          <a:lstStyle>
+            <a:defPPr>
+              <a:defRPr lang="en-US"/>
+            </a:defPPr>
+            <a:lvl1pPr indent="-228600">
               <a:lnSpc>
                 <a:spcPct val="90000"/>
               </a:lnSpc>
@@ -8697,105 +8828,41 @@
               </a:spcAft>
               <a:buFont typeface="Arial" panose="020B0604020202020204" pitchFamily="34" charset="0"/>
               <a:buChar char="•"/>
-            </a:pPr>
+              <a:defRPr sz="1700">
+                <a:solidFill>
+                  <a:schemeClr val="bg1"/>
+                </a:solidFill>
+              </a:defRPr>
+            </a:lvl1pPr>
+          </a:lstStyle>
+          <a:p>
             <a:r>
               <a:rPr lang="en-US" dirty="0">
                 <a:solidFill>
-                  <a:schemeClr val="bg1"/>
+                  <a:schemeClr val="tx1"/>
                 </a:solidFill>
               </a:rPr>
-              <a:t>From </a:t>
+              <a:t>Based on the dataset, Department Stores were more likely to be impacted by fraud</a:t>
             </a:r>
+          </a:p>
+          <a:p>
             <a:r>
               <a:rPr lang="en-US" dirty="0">
                 <a:solidFill>
-                  <a:schemeClr val="bg1"/>
+                  <a:schemeClr val="tx1"/>
                 </a:solidFill>
-                <a:hlinkClick r:id="rId2"/>
               </a:rPr>
-              <a:t>1990-200</a:t>
+              <a:t>Consumer preference is to shop online – 75% of fraudulent transactions happened online</a:t>
             </a:r>
+          </a:p>
+          <a:p>
             <a:r>
               <a:rPr lang="en-US" dirty="0">
                 <a:solidFill>
-                  <a:schemeClr val="bg1"/>
+                  <a:schemeClr val="tx1"/>
                 </a:solidFill>
               </a:rPr>
-              <a:t> there was little fraud happening in the US most of it was in Mexico, Algeria and Fiji.</a:t>
-            </a:r>
-          </a:p>
-          <a:p>
-            <a:pPr marL="285750" indent="-285750">
-              <a:lnSpc>
-                <a:spcPct val="90000"/>
-              </a:lnSpc>
-              <a:spcAft>
-                <a:spcPts val="600"/>
-              </a:spcAft>
-              <a:buFont typeface="Arial" panose="020B0604020202020204" pitchFamily="34" charset="0"/>
-              <a:buChar char="•"/>
-            </a:pPr>
-            <a:r>
-              <a:rPr lang="en-US" dirty="0">
-                <a:solidFill>
-                  <a:schemeClr val="bg1"/>
-                </a:solidFill>
-              </a:rPr>
-              <a:t>From </a:t>
-            </a:r>
-            <a:r>
-              <a:rPr lang="en-US" dirty="0">
-                <a:solidFill>
-                  <a:schemeClr val="bg1"/>
-                </a:solidFill>
-                <a:hlinkClick r:id="rId4"/>
-              </a:rPr>
-              <a:t>2001-2010</a:t>
-            </a:r>
-            <a:r>
-              <a:rPr lang="en-US" dirty="0">
-                <a:solidFill>
-                  <a:schemeClr val="bg1"/>
-                </a:solidFill>
-              </a:rPr>
-              <a:t> there was more fraud in the US and all over the country. But the bulk of it happened in Algeria, Turkey, and Haiti.</a:t>
-            </a:r>
-          </a:p>
-          <a:p>
-            <a:pPr marL="285750" indent="-285750">
-              <a:lnSpc>
-                <a:spcPct val="90000"/>
-              </a:lnSpc>
-              <a:spcAft>
-                <a:spcPts val="600"/>
-              </a:spcAft>
-              <a:buFont typeface="Arial" panose="020B0604020202020204" pitchFamily="34" charset="0"/>
-              <a:buChar char="•"/>
-            </a:pPr>
-            <a:r>
-              <a:rPr lang="en-US" dirty="0">
-                <a:solidFill>
-                  <a:schemeClr val="bg1"/>
-                </a:solidFill>
-              </a:rPr>
-              <a:t>From </a:t>
-            </a:r>
-            <a:r>
-              <a:rPr lang="en-US" dirty="0">
-                <a:solidFill>
-                  <a:schemeClr val="bg1"/>
-                </a:solidFill>
-                <a:hlinkClick r:id="rId5"/>
-              </a:rPr>
-              <a:t>2011-2019</a:t>
-            </a:r>
-            <a:r>
-              <a:rPr lang="en-US" dirty="0">
-                <a:solidFill>
-                  <a:schemeClr val="bg1"/>
-                </a:solidFill>
-              </a:rPr>
-              <a:t> you can see most of the fraud in the US happened on the eastern side of the country. But the bulk of it was in Rome. </a:t>
+              <a:t>Mastercard accounted for 53% of fraudulent activities while Visa card had 36%</a:t>
             </a:r>
           </a:p>
         </p:txBody>
@@ -8803,7 +8870,7 @@
     </p:spTree>
     <p:extLst>
       <p:ext uri="{BB962C8B-B14F-4D97-AF65-F5344CB8AC3E}">
-        <p14:creationId xmlns:p14="http://schemas.microsoft.com/office/powerpoint/2010/main" val="2154569219"/>
+        <p14:creationId xmlns:p14="http://schemas.microsoft.com/office/powerpoint/2010/main" val="4204206540"/>
       </p:ext>
     </p:extLst>
   </p:cSld>
@@ -8901,9 +8968,10 @@
       <p:pic>
         <p:nvPicPr>
           <p:cNvPr id="5" name="Picture 4" descr="Graphical user interface&#10;&#10;Description automatically generated">
+            <a:hlinkClick r:id="rId2"/>
             <a:extLst>
               <a:ext uri="{FF2B5EF4-FFF2-40B4-BE49-F238E27FC236}">
-                <a16:creationId xmlns:a16="http://schemas.microsoft.com/office/drawing/2014/main" id="{AA057E03-85CF-536E-F978-CF7A7BAD4BFA}"/>
+                <a16:creationId xmlns:a16="http://schemas.microsoft.com/office/drawing/2014/main" id="{F0684E11-6126-FEAF-D543-8018B6B7CD73}"/>
               </a:ext>
             </a:extLst>
           </p:cNvPr>
@@ -8913,7 +8981,7 @@
           <p:nvPr/>
         </p:nvPicPr>
         <p:blipFill rotWithShape="1">
-          <a:blip r:embed="rId2">
+          <a:blip r:embed="rId3">
             <a:extLst>
               <a:ext uri="{28A0092B-C50C-407E-A947-70E740481C1C}">
                 <a14:useLocalDpi xmlns:a14="http://schemas.microsoft.com/office/drawing/2010/main" val="0"/>
@@ -9003,7 +9071,7 @@
           <p:cNvPr id="2" name="TextBox 1">
             <a:extLst>
               <a:ext uri="{FF2B5EF4-FFF2-40B4-BE49-F238E27FC236}">
-                <a16:creationId xmlns:a16="http://schemas.microsoft.com/office/drawing/2014/main" id="{DB5407F5-C0B7-BE11-FC51-9840E9058B18}"/>
+                <a16:creationId xmlns:a16="http://schemas.microsoft.com/office/drawing/2014/main" id="{EFD512BA-B62E-58C1-F934-CD55A6B54546}"/>
               </a:ext>
             </a:extLst>
           </p:cNvPr>
@@ -9037,7 +9105,7 @@
               </a:spcAft>
             </a:pPr>
             <a:r>
-              <a:rPr lang="en-US" sz="4400" dirty="0">
+              <a:rPr lang="en-US" sz="3700" dirty="0">
                 <a:solidFill>
                   <a:schemeClr val="bg1"/>
                 </a:solidFill>
@@ -9045,7 +9113,7 @@
                 <a:ea typeface="+mj-ea"/>
                 <a:cs typeface="+mj-cs"/>
               </a:rPr>
-              <a:t>Section 4: Prevention</a:t>
+              <a:t>Visualization to show locations of these issues</a:t>
             </a:r>
           </a:p>
         </p:txBody>
@@ -10433,10 +10501,10 @@
       </p:sp>
       <p:sp>
         <p:nvSpPr>
-          <p:cNvPr id="3" name="TextBox 2">
+          <p:cNvPr id="4" name="TextBox 3">
             <a:extLst>
               <a:ext uri="{FF2B5EF4-FFF2-40B4-BE49-F238E27FC236}">
-                <a16:creationId xmlns:a16="http://schemas.microsoft.com/office/drawing/2014/main" id="{0D6B78AA-6FBA-AE7E-85A6-3DC3D820D7E0}"/>
+                <a16:creationId xmlns:a16="http://schemas.microsoft.com/office/drawing/2014/main" id="{3B352E48-C962-51FA-ACF6-EC20E2F965B2}"/>
               </a:ext>
             </a:extLst>
           </p:cNvPr>
@@ -10445,12 +10513,15 @@
         </p:nvSpPr>
         <p:spPr>
           <a:xfrm>
-            <a:off x="1166649" y="3379979"/>
-            <a:ext cx="3874685" cy="3186359"/>
+            <a:off x="600623" y="3379979"/>
+            <a:ext cx="4819276" cy="3186359"/>
           </a:xfrm>
           <a:prstGeom prst="rect">
             <a:avLst/>
           </a:prstGeom>
+          <a:solidFill>
+            <a:schemeClr val="bg2"/>
+          </a:solidFill>
         </p:spPr>
         <p:txBody>
           <a:bodyPr vert="horz" lIns="91440" tIns="45720" rIns="91440" bIns="45720" rtlCol="0" anchor="ctr">
@@ -10458,229 +10529,99 @@
           </a:bodyPr>
           <a:lstStyle/>
           <a:p>
-            <a:pPr>
+            <a:pPr marL="285750" indent="-285750">
               <a:lnSpc>
                 <a:spcPct val="90000"/>
               </a:lnSpc>
               <a:spcAft>
                 <a:spcPts val="600"/>
               </a:spcAft>
-            </a:pPr>
-            <a:endParaRPr lang="en-US" dirty="0">
-              <a:solidFill>
-                <a:schemeClr val="bg1"/>
-              </a:solidFill>
-            </a:endParaRPr>
-          </a:p>
-        </p:txBody>
-      </p:sp>
-      <p:sp>
-        <p:nvSpPr>
-          <p:cNvPr id="7" name="TextBox 6">
-            <a:extLst>
-              <a:ext uri="{FF2B5EF4-FFF2-40B4-BE49-F238E27FC236}">
-                <a16:creationId xmlns:a16="http://schemas.microsoft.com/office/drawing/2014/main" id="{B93EAA56-01A6-67B5-6E11-D3D169FC64BF}"/>
-              </a:ext>
-            </a:extLst>
-          </p:cNvPr>
-          <p:cNvSpPr txBox="1"/>
-          <p:nvPr/>
-        </p:nvSpPr>
-        <p:spPr>
-          <a:xfrm>
-            <a:off x="632561" y="2869325"/>
-            <a:ext cx="4787338" cy="3539430"/>
-          </a:xfrm>
-          <a:prstGeom prst="rect">
-            <a:avLst/>
-          </a:prstGeom>
-          <a:noFill/>
-        </p:spPr>
-        <p:txBody>
-          <a:bodyPr wrap="square">
-            <a:spAutoFit/>
-          </a:bodyPr>
-          <a:lstStyle/>
-          <a:p>
-            <a:pPr marL="285750" indent="-285750">
               <a:buFont typeface="Arial" panose="020B0604020202020204" pitchFamily="34" charset="0"/>
               <a:buChar char="•"/>
             </a:pPr>
             <a:r>
-              <a:rPr lang="en-US" sz="1600" dirty="0">
-                <a:solidFill>
-                  <a:schemeClr val="bg1"/>
-                </a:solidFill>
+              <a:rPr lang="en-US" dirty="0"/>
+              <a:t>From </a:t>
+            </a:r>
+            <a:r>
+              <a:rPr lang="en-US" dirty="0">
+                <a:hlinkClick r:id="rId2">
+                  <a:extLst>
+                    <a:ext uri="{A12FA001-AC4F-418D-AE19-62706E023703}">
+                      <ahyp:hlinkClr xmlns:ahyp="http://schemas.microsoft.com/office/drawing/2018/hyperlinkcolor" val="tx"/>
+                    </a:ext>
+                  </a:extLst>
+                </a:hlinkClick>
               </a:rPr>
-              <a:t>Don’t use unsecure websites.</a:t>
+              <a:t>1990-2000</a:t>
             </a:r>
+            <a:r>
+              <a:rPr lang="en-US" dirty="0"/>
+              <a:t> there was little fraud happening in the US most of it was in Mexico, Algeria and Fiji.</a:t>
+            </a:r>
           </a:p>
           <a:p>
             <a:pPr marL="285750" indent="-285750">
+              <a:lnSpc>
+                <a:spcPct val="90000"/>
+              </a:lnSpc>
+              <a:spcAft>
+                <a:spcPts val="600"/>
+              </a:spcAft>
               <a:buFont typeface="Arial" panose="020B0604020202020204" pitchFamily="34" charset="0"/>
               <a:buChar char="•"/>
             </a:pPr>
             <a:r>
-              <a:rPr lang="en-US" sz="1600" dirty="0">
-                <a:solidFill>
-                  <a:schemeClr val="bg1"/>
-                </a:solidFill>
+              <a:rPr lang="en-US" dirty="0"/>
+              <a:t>From </a:t>
+            </a:r>
+            <a:r>
+              <a:rPr lang="en-US" dirty="0">
+                <a:hlinkClick r:id="rId4">
+                  <a:extLst>
+                    <a:ext uri="{A12FA001-AC4F-418D-AE19-62706E023703}">
+                      <ahyp:hlinkClr xmlns:ahyp="http://schemas.microsoft.com/office/drawing/2018/hyperlinkcolor" val="tx"/>
+                    </a:ext>
+                  </a:extLst>
+                </a:hlinkClick>
               </a:rPr>
-              <a:t>Beware of phishing scams.</a:t>
+              <a:t>2001-2010</a:t>
             </a:r>
+            <a:r>
+              <a:rPr lang="en-US" dirty="0"/>
+              <a:t> there was more fraud in the US and all over the country. But the bulk of it happened in Algeria, Turkey, and Haiti.</a:t>
+            </a:r>
           </a:p>
           <a:p>
             <a:pPr marL="285750" indent="-285750">
+              <a:lnSpc>
+                <a:spcPct val="90000"/>
+              </a:lnSpc>
+              <a:spcAft>
+                <a:spcPts val="600"/>
+              </a:spcAft>
               <a:buFont typeface="Arial" panose="020B0604020202020204" pitchFamily="34" charset="0"/>
               <a:buChar char="•"/>
             </a:pPr>
             <a:r>
-              <a:rPr lang="en-US" sz="1600" dirty="0">
-                <a:solidFill>
-                  <a:schemeClr val="bg1"/>
-                </a:solidFill>
+              <a:rPr lang="en-US" dirty="0"/>
+              <a:t>From </a:t>
+            </a:r>
+            <a:r>
+              <a:rPr lang="en-US" dirty="0">
+                <a:hlinkClick r:id="rId5">
+                  <a:extLst>
+                    <a:ext uri="{A12FA001-AC4F-418D-AE19-62706E023703}">
+                      <ahyp:hlinkClr xmlns:ahyp="http://schemas.microsoft.com/office/drawing/2018/hyperlinkcolor" val="tx"/>
+                    </a:ext>
+                  </a:extLst>
+                </a:hlinkClick>
               </a:rPr>
-              <a:t>Be on the lookout for skimmers.</a:t>
+              <a:t>2011-2019</a:t>
             </a:r>
-          </a:p>
-          <a:p>
-            <a:pPr marL="285750" indent="-285750">
-              <a:buFont typeface="Arial" panose="020B0604020202020204" pitchFamily="34" charset="0"/>
-              <a:buChar char="•"/>
-            </a:pPr>
             <a:r>
-              <a:rPr lang="en-US" sz="1600" dirty="0">
-                <a:solidFill>
-                  <a:schemeClr val="bg1"/>
-                </a:solidFill>
-              </a:rPr>
-              <a:t>Don’t post sensitive information on social media.</a:t>
-            </a:r>
-          </a:p>
-          <a:p>
-            <a:pPr marL="285750" indent="-285750">
-              <a:buFont typeface="Arial" panose="020B0604020202020204" pitchFamily="34" charset="0"/>
-              <a:buChar char="•"/>
-            </a:pPr>
-            <a:r>
-              <a:rPr lang="en-US" sz="1600" dirty="0">
-                <a:solidFill>
-                  <a:schemeClr val="bg1"/>
-                </a:solidFill>
-              </a:rPr>
-              <a:t>Get comfortable with mobile payment apps.</a:t>
-            </a:r>
-          </a:p>
-          <a:p>
-            <a:pPr marL="285750" indent="-285750">
-              <a:buFont typeface="Arial" panose="020B0604020202020204" pitchFamily="34" charset="0"/>
-              <a:buChar char="•"/>
-            </a:pPr>
-            <a:r>
-              <a:rPr lang="en-US" sz="1600" dirty="0">
-                <a:solidFill>
-                  <a:schemeClr val="bg1"/>
-                </a:solidFill>
-              </a:rPr>
-              <a:t>Shop in stores that have chip readers.</a:t>
-            </a:r>
-          </a:p>
-          <a:p>
-            <a:pPr marL="285750" indent="-285750">
-              <a:buFont typeface="Arial" panose="020B0604020202020204" pitchFamily="34" charset="0"/>
-              <a:buChar char="•"/>
-            </a:pPr>
-            <a:r>
-              <a:rPr lang="en-US" sz="1600" dirty="0">
-                <a:solidFill>
-                  <a:schemeClr val="bg1"/>
-                </a:solidFill>
-              </a:rPr>
-              <a:t>Don’t save your credit card information online.</a:t>
-            </a:r>
-          </a:p>
-          <a:p>
-            <a:pPr marL="285750" indent="-285750">
-              <a:buFont typeface="Arial" panose="020B0604020202020204" pitchFamily="34" charset="0"/>
-              <a:buChar char="•"/>
-            </a:pPr>
-            <a:r>
-              <a:rPr lang="en-US" sz="1600" dirty="0">
-                <a:solidFill>
-                  <a:schemeClr val="bg1"/>
-                </a:solidFill>
-              </a:rPr>
-              <a:t>Use a virtual credit card number online.</a:t>
-            </a:r>
-          </a:p>
-          <a:p>
-            <a:pPr marL="285750" indent="-285750">
-              <a:buFont typeface="Arial" panose="020B0604020202020204" pitchFamily="34" charset="0"/>
-              <a:buChar char="•"/>
-            </a:pPr>
-            <a:r>
-              <a:rPr lang="en-US" sz="1600" dirty="0">
-                <a:solidFill>
-                  <a:schemeClr val="bg1"/>
-                </a:solidFill>
-              </a:rPr>
-              <a:t>Use a password manager.</a:t>
-            </a:r>
-          </a:p>
-          <a:p>
-            <a:pPr marL="285750" indent="-285750">
-              <a:buFont typeface="Arial" panose="020B0604020202020204" pitchFamily="34" charset="0"/>
-              <a:buChar char="•"/>
-            </a:pPr>
-            <a:r>
-              <a:rPr lang="en-US" sz="1600" dirty="0">
-                <a:solidFill>
-                  <a:schemeClr val="bg1"/>
-                </a:solidFill>
-              </a:rPr>
-              <a:t>Get a chip card with PIN capacity.</a:t>
-            </a:r>
-          </a:p>
-          <a:p>
-            <a:pPr marL="285750" indent="-285750">
-              <a:buFont typeface="Arial" panose="020B0604020202020204" pitchFamily="34" charset="0"/>
-              <a:buChar char="•"/>
-            </a:pPr>
-            <a:r>
-              <a:rPr lang="en-US" sz="1600" dirty="0">
-                <a:solidFill>
-                  <a:schemeClr val="bg1"/>
-                </a:solidFill>
-              </a:rPr>
-              <a:t>Don’t trust public Wi-Fi for financial transactions.</a:t>
-            </a:r>
-          </a:p>
-          <a:p>
-            <a:pPr marL="285750" indent="-285750">
-              <a:buFont typeface="Arial" panose="020B0604020202020204" pitchFamily="34" charset="0"/>
-              <a:buChar char="•"/>
-            </a:pPr>
-            <a:r>
-              <a:rPr lang="en-US" sz="1600" dirty="0">
-                <a:solidFill>
-                  <a:schemeClr val="bg1"/>
-                </a:solidFill>
-              </a:rPr>
-              <a:t>Set up a fraud alert or credit freeze if your card is lost or stolen.</a:t>
-            </a:r>
-          </a:p>
-          <a:p>
-            <a:pPr marL="285750" indent="-285750">
-              <a:buFont typeface="Arial" panose="020B0604020202020204" pitchFamily="34" charset="0"/>
-              <a:buChar char="•"/>
-            </a:pPr>
-            <a:r>
-              <a:rPr lang="en-US" sz="1600" dirty="0">
-                <a:solidFill>
-                  <a:schemeClr val="bg1"/>
-                </a:solidFill>
-              </a:rPr>
-              <a:t>Review your credit reports regularly.</a:t>
+              <a:rPr lang="en-US" dirty="0"/>
+              <a:t> you can see most of the fraud in the US happened on the eastern side of the country. But the bulk of it was in Rome. </a:t>
             </a:r>
           </a:p>
         </p:txBody>
@@ -10688,7 +10629,7 @@
     </p:spTree>
     <p:extLst>
       <p:ext uri="{BB962C8B-B14F-4D97-AF65-F5344CB8AC3E}">
-        <p14:creationId xmlns:p14="http://schemas.microsoft.com/office/powerpoint/2010/main" val="979309918"/>
+        <p14:creationId xmlns:p14="http://schemas.microsoft.com/office/powerpoint/2010/main" val="2154569219"/>
       </p:ext>
     </p:extLst>
   </p:cSld>
@@ -10922,7 +10863,7 @@
               </a:spcAft>
             </a:pPr>
             <a:r>
-              <a:rPr lang="en-US" sz="4400">
+              <a:rPr lang="en-US" sz="4400" dirty="0">
                 <a:solidFill>
                   <a:schemeClr val="bg1"/>
                 </a:solidFill>
@@ -10930,7 +10871,7 @@
                 <a:ea typeface="+mj-ea"/>
                 <a:cs typeface="+mj-cs"/>
               </a:rPr>
-              <a:t>Section 5: Bank Early Detection</a:t>
+              <a:t>Bank Early Detection</a:t>
             </a:r>
           </a:p>
         </p:txBody>
@@ -12330,12 +12271,15 @@
         </p:nvSpPr>
         <p:spPr>
           <a:xfrm>
-            <a:off x="1166649" y="3379979"/>
-            <a:ext cx="3874685" cy="3186359"/>
+            <a:off x="603671" y="3379979"/>
+            <a:ext cx="4816228" cy="3186359"/>
           </a:xfrm>
           <a:prstGeom prst="rect">
             <a:avLst/>
           </a:prstGeom>
+          <a:solidFill>
+            <a:schemeClr val="bg2"/>
+          </a:solidFill>
         </p:spPr>
         <p:txBody>
           <a:bodyPr vert="horz" lIns="91440" tIns="45720" rIns="91440" bIns="45720" rtlCol="0" anchor="ctr">
@@ -12354,12 +12298,8 @@
               <a:buChar char="•"/>
             </a:pPr>
             <a:r>
-              <a:rPr lang="en-US">
-                <a:solidFill>
-                  <a:schemeClr val="bg1"/>
-                </a:solidFill>
-              </a:rPr>
-              <a:t>Talk about Aaron’s Model for the prediction of fraudulent transactions</a:t>
+              <a:rPr lang="en-US" dirty="0"/>
+              <a:t>24 Million transaction records were reviewed</a:t>
             </a:r>
           </a:p>
           <a:p>
@@ -12374,12 +12314,12 @@
               <a:buChar char="•"/>
             </a:pPr>
             <a:r>
-              <a:rPr lang="en-US">
-                <a:solidFill>
-                  <a:schemeClr val="bg1"/>
-                </a:solidFill>
-              </a:rPr>
-              <a:t>Notes for the model here</a:t>
+              <a:rPr lang="en-US" dirty="0" err="1"/>
+              <a:t>Tensorflow</a:t>
+            </a:r>
+            <a:r>
+              <a:rPr lang="en-US" dirty="0"/>
+              <a:t> and T-SNE analysis were used to validate and plan the data</a:t>
             </a:r>
           </a:p>
           <a:p>
@@ -12394,12 +12334,8 @@
               <a:buChar char="•"/>
             </a:pPr>
             <a:r>
-              <a:rPr lang="en-US">
-                <a:solidFill>
-                  <a:schemeClr val="bg1"/>
-                </a:solidFill>
-              </a:rPr>
-              <a:t>Visit html page for screenshots of finished model</a:t>
+              <a:rPr lang="en-US" dirty="0"/>
+              <a:t>The data model showed a valid result of over 99%</a:t>
             </a:r>
           </a:p>
         </p:txBody>
@@ -12529,7 +12465,7 @@
         </p:blipFill>
         <p:spPr>
           <a:xfrm>
-            <a:off x="603671" y="-1"/>
+            <a:off x="600623" y="0"/>
             <a:ext cx="11588329" cy="6857999"/>
           </a:xfrm>
           <a:prstGeom prst="rect">
@@ -12641,7 +12577,7 @@
               </a:spcAft>
             </a:pPr>
             <a:r>
-              <a:rPr lang="en-US" sz="4400">
+              <a:rPr lang="en-US" sz="4400" dirty="0">
                 <a:solidFill>
                   <a:schemeClr val="bg1"/>
                 </a:solidFill>
@@ -12649,7 +12585,7 @@
                 <a:ea typeface="+mj-ea"/>
                 <a:cs typeface="+mj-cs"/>
               </a:rPr>
-              <a:t>Section 6: Sources</a:t>
+              <a:t>Sources</a:t>
             </a:r>
           </a:p>
         </p:txBody>
@@ -14049,12 +13985,15 @@
         </p:nvSpPr>
         <p:spPr>
           <a:xfrm>
-            <a:off x="1166649" y="3379979"/>
-            <a:ext cx="3874685" cy="3186359"/>
+            <a:off x="603671" y="3379979"/>
+            <a:ext cx="4816228" cy="3186359"/>
           </a:xfrm>
           <a:prstGeom prst="rect">
             <a:avLst/>
           </a:prstGeom>
+          <a:solidFill>
+            <a:schemeClr val="bg2"/>
+          </a:solidFill>
         </p:spPr>
         <p:txBody>
           <a:bodyPr vert="horz" lIns="91440" tIns="45720" rIns="91440" bIns="45720" rtlCol="0" anchor="ctr">
@@ -14073,15 +14012,11 @@
               <a:buChar char="•"/>
             </a:pPr>
             <a:r>
-              <a:rPr lang="en-US" sz="1500">
-                <a:solidFill>
-                  <a:schemeClr val="bg1"/>
-                </a:solidFill>
-              </a:rPr>
+              <a:rPr lang="en-US" sz="1500" dirty="0"/>
               <a:t>Facts on Fraud: </a:t>
             </a:r>
             <a:r>
-              <a:rPr lang="en-US" sz="1500">
+              <a:rPr lang="en-US" sz="1500" dirty="0">
                 <a:solidFill>
                   <a:schemeClr val="bg1"/>
                 </a:solidFill>
@@ -14089,7 +14024,7 @@
               </a:rPr>
               <a:t>https://wallethub.com/edu/cc/credit-debit-card-fraud-statistics/25725</a:t>
             </a:r>
-            <a:endParaRPr lang="en-US" sz="1500">
+            <a:endParaRPr lang="en-US" sz="1500" dirty="0">
               <a:solidFill>
                 <a:schemeClr val="bg1"/>
               </a:solidFill>
@@ -14107,15 +14042,11 @@
               <a:buChar char="•"/>
             </a:pPr>
             <a:r>
-              <a:rPr lang="en-US" sz="1500">
-                <a:solidFill>
-                  <a:schemeClr val="bg1"/>
-                </a:solidFill>
-              </a:rPr>
+              <a:rPr lang="en-US" sz="1500" dirty="0"/>
               <a:t>Simulated Data: </a:t>
             </a:r>
             <a:r>
-              <a:rPr lang="en-US" sz="1500">
+              <a:rPr lang="en-US" sz="1500" dirty="0">
                 <a:solidFill>
                   <a:schemeClr val="bg1"/>
                 </a:solidFill>
@@ -14123,7 +14054,7 @@
               </a:rPr>
               <a:t>https://www.kaggle.com/datasets/ealtman2019/credit-card-transactions</a:t>
             </a:r>
-            <a:endParaRPr lang="en-US" sz="1500">
+            <a:endParaRPr lang="en-US" sz="1500" dirty="0">
               <a:solidFill>
                 <a:schemeClr val="bg1"/>
               </a:solidFill>
@@ -14141,15 +14072,11 @@
               <a:buChar char="•"/>
             </a:pPr>
             <a:r>
-              <a:rPr lang="en-US" sz="1500">
-                <a:solidFill>
-                  <a:schemeClr val="bg1"/>
-                </a:solidFill>
-              </a:rPr>
+              <a:rPr lang="en-US" sz="1500" dirty="0"/>
               <a:t>Preventing Fraud: </a:t>
             </a:r>
             <a:r>
-              <a:rPr lang="en-US" sz="1500">
+              <a:rPr lang="en-US" sz="1500" dirty="0">
                 <a:solidFill>
                   <a:schemeClr val="bg1"/>
                 </a:solidFill>
@@ -14157,7 +14084,7 @@
               </a:rPr>
               <a:t>https://diamondvalleyfcu.org/blog/5-ways-avoid-credit-card-fraud</a:t>
             </a:r>
-            <a:endParaRPr lang="en-US" sz="1500">
+            <a:endParaRPr lang="en-US" sz="1500" dirty="0">
               <a:solidFill>
                 <a:schemeClr val="bg1"/>
               </a:solidFill>
@@ -14175,15 +14102,19 @@
               <a:buChar char="•"/>
             </a:pPr>
             <a:r>
-              <a:rPr lang="en-US" sz="1500">
+              <a:rPr lang="en-US" sz="1500" dirty="0"/>
+              <a:t>Reporting Fraud:</a:t>
+            </a:r>
+            <a:r>
+              <a:rPr lang="en-US" sz="1500" dirty="0">
                 <a:solidFill>
                   <a:schemeClr val="bg1"/>
                 </a:solidFill>
               </a:rPr>
-              <a:t>Reporting Fraud: </a:t>
+              <a:t> </a:t>
             </a:r>
             <a:r>
-              <a:rPr lang="en-US" sz="1500">
+              <a:rPr lang="en-US" sz="1500" dirty="0">
                 <a:solidFill>
                   <a:schemeClr val="bg1"/>
                 </a:solidFill>
@@ -14191,7 +14122,7 @@
               </a:rPr>
               <a:t>https://www.rocklandtrust.com/learning-center/popular-links/reporting-fraud</a:t>
             </a:r>
-            <a:endParaRPr lang="en-US" sz="1500">
+            <a:endParaRPr lang="en-US" sz="1500" dirty="0">
               <a:solidFill>
                 <a:schemeClr val="bg1"/>
               </a:solidFill>
@@ -14208,7 +14139,7 @@
               <a:buFont typeface="Arial" panose="020B0604020202020204" pitchFamily="34" charset="0"/>
               <a:buChar char="•"/>
             </a:pPr>
-            <a:endParaRPr lang="en-US" sz="1500">
+            <a:endParaRPr lang="en-US" sz="1500" dirty="0">
               <a:solidFill>
                 <a:schemeClr val="bg1"/>
               </a:solidFill>
